--- a/ppt 16-9/0547.浪子回头.pptx
+++ b/ppt 16-9/0547.浪子回头.pptx
@@ -129,7 +129,7 @@
           <p:cNvPr id="2" name="标题 1">
             <a:extLst>
               <a:ext uri="{FF2B5EF4-FFF2-40B4-BE49-F238E27FC236}">
-                <a16:creationId xmlns:a16="http://schemas.microsoft.com/office/drawing/2014/main" id="{B155290E-B342-ACFC-25A0-E0261204C0BB}"/>
+                <a16:creationId xmlns:a16="http://schemas.microsoft.com/office/drawing/2014/main" id="{3A69A5F1-6576-D984-D922-1935FFC21CB4}"/>
               </a:ext>
             </a:extLst>
           </p:cNvPr>
@@ -166,7 +166,7 @@
           <p:cNvPr id="3" name="副标题 2">
             <a:extLst>
               <a:ext uri="{FF2B5EF4-FFF2-40B4-BE49-F238E27FC236}">
-                <a16:creationId xmlns:a16="http://schemas.microsoft.com/office/drawing/2014/main" id="{A1936101-3482-F169-9EF7-5A759FEE191E}"/>
+                <a16:creationId xmlns:a16="http://schemas.microsoft.com/office/drawing/2014/main" id="{E913255B-1D18-CCFB-2BCA-D8867923F1E2}"/>
               </a:ext>
             </a:extLst>
           </p:cNvPr>
@@ -236,7 +236,7 @@
           <p:cNvPr id="4" name="日期占位符 3">
             <a:extLst>
               <a:ext uri="{FF2B5EF4-FFF2-40B4-BE49-F238E27FC236}">
-                <a16:creationId xmlns:a16="http://schemas.microsoft.com/office/drawing/2014/main" id="{1434000E-D9FC-852A-B050-2895AF8DA199}"/>
+                <a16:creationId xmlns:a16="http://schemas.microsoft.com/office/drawing/2014/main" id="{81C3D36E-BA96-B61E-8B8F-156B8E9CFE3D}"/>
               </a:ext>
             </a:extLst>
           </p:cNvPr>
@@ -252,7 +252,7 @@
           <a:bodyPr/>
           <a:lstStyle/>
           <a:p>
-            <a:fld id="{17A6BF99-1B37-4BC0-ACC1-D6F469DB651B}" type="datetimeFigureOut">
+            <a:fld id="{B778F2FB-9DA8-4ADB-B406-BA1142004520}" type="datetimeFigureOut">
               <a:rPr lang="zh-CN" altLang="en-US" smtClean="0"/>
               <a:t>2024/3/10</a:t>
             </a:fld>
@@ -265,7 +265,7 @@
           <p:cNvPr id="5" name="页脚占位符 4">
             <a:extLst>
               <a:ext uri="{FF2B5EF4-FFF2-40B4-BE49-F238E27FC236}">
-                <a16:creationId xmlns:a16="http://schemas.microsoft.com/office/drawing/2014/main" id="{EE26A461-CAC6-202F-3E1E-B3C8C47682D4}"/>
+                <a16:creationId xmlns:a16="http://schemas.microsoft.com/office/drawing/2014/main" id="{83260EF8-49D3-FCDF-C618-B2BB10E4A350}"/>
               </a:ext>
             </a:extLst>
           </p:cNvPr>
@@ -290,7 +290,7 @@
           <p:cNvPr id="6" name="灯片编号占位符 5">
             <a:extLst>
               <a:ext uri="{FF2B5EF4-FFF2-40B4-BE49-F238E27FC236}">
-                <a16:creationId xmlns:a16="http://schemas.microsoft.com/office/drawing/2014/main" id="{C1DB9FFD-B5B3-3DDA-3321-E6950BE71D3C}"/>
+                <a16:creationId xmlns:a16="http://schemas.microsoft.com/office/drawing/2014/main" id="{FA6937D5-6785-665F-E175-8319526B5FD5}"/>
               </a:ext>
             </a:extLst>
           </p:cNvPr>
@@ -306,7 +306,7 @@
           <a:bodyPr/>
           <a:lstStyle/>
           <a:p>
-            <a:fld id="{FBAE2A10-3457-427F-955A-8E8A28D0B6AB}" type="slidenum">
+            <a:fld id="{1569AD82-1BF9-47E7-88EA-92E7E93F6C3B}" type="slidenum">
               <a:rPr lang="zh-CN" altLang="en-US" smtClean="0"/>
               <a:t>‹#›</a:t>
             </a:fld>
@@ -317,7 +317,7 @@
     </p:spTree>
     <p:extLst>
       <p:ext uri="{BB962C8B-B14F-4D97-AF65-F5344CB8AC3E}">
-        <p14:creationId xmlns:p14="http://schemas.microsoft.com/office/powerpoint/2010/main" val="2706786652"/>
+        <p14:creationId xmlns:p14="http://schemas.microsoft.com/office/powerpoint/2010/main" val="725884109"/>
       </p:ext>
     </p:extLst>
   </p:cSld>
@@ -349,7 +349,7 @@
           <p:cNvPr id="2" name="标题 1">
             <a:extLst>
               <a:ext uri="{FF2B5EF4-FFF2-40B4-BE49-F238E27FC236}">
-                <a16:creationId xmlns:a16="http://schemas.microsoft.com/office/drawing/2014/main" id="{004F6A46-8DC6-8F90-5596-65AC5D0CC06E}"/>
+                <a16:creationId xmlns:a16="http://schemas.microsoft.com/office/drawing/2014/main" id="{9ED88555-03DB-B0FB-D0A7-743F5FB6463A}"/>
               </a:ext>
             </a:extLst>
           </p:cNvPr>
@@ -377,7 +377,7 @@
           <p:cNvPr id="3" name="竖排文字占位符 2">
             <a:extLst>
               <a:ext uri="{FF2B5EF4-FFF2-40B4-BE49-F238E27FC236}">
-                <a16:creationId xmlns:a16="http://schemas.microsoft.com/office/drawing/2014/main" id="{D35E2980-D88A-349D-D9D0-CF0F477B8C83}"/>
+                <a16:creationId xmlns:a16="http://schemas.microsoft.com/office/drawing/2014/main" id="{BF651F9A-C593-DF9C-2435-1D8833DAA124}"/>
               </a:ext>
             </a:extLst>
           </p:cNvPr>
@@ -434,7 +434,7 @@
           <p:cNvPr id="4" name="日期占位符 3">
             <a:extLst>
               <a:ext uri="{FF2B5EF4-FFF2-40B4-BE49-F238E27FC236}">
-                <a16:creationId xmlns:a16="http://schemas.microsoft.com/office/drawing/2014/main" id="{3E3C91FF-889B-57F8-C28E-C34DF87ED071}"/>
+                <a16:creationId xmlns:a16="http://schemas.microsoft.com/office/drawing/2014/main" id="{2789CD55-7276-7171-DB32-3B0FDA5AFD61}"/>
               </a:ext>
             </a:extLst>
           </p:cNvPr>
@@ -450,7 +450,7 @@
           <a:bodyPr/>
           <a:lstStyle/>
           <a:p>
-            <a:fld id="{17A6BF99-1B37-4BC0-ACC1-D6F469DB651B}" type="datetimeFigureOut">
+            <a:fld id="{B778F2FB-9DA8-4ADB-B406-BA1142004520}" type="datetimeFigureOut">
               <a:rPr lang="zh-CN" altLang="en-US" smtClean="0"/>
               <a:t>2024/3/10</a:t>
             </a:fld>
@@ -463,7 +463,7 @@
           <p:cNvPr id="5" name="页脚占位符 4">
             <a:extLst>
               <a:ext uri="{FF2B5EF4-FFF2-40B4-BE49-F238E27FC236}">
-                <a16:creationId xmlns:a16="http://schemas.microsoft.com/office/drawing/2014/main" id="{D7A44F90-BA82-D3EC-2096-578A7204D9A1}"/>
+                <a16:creationId xmlns:a16="http://schemas.microsoft.com/office/drawing/2014/main" id="{2258F164-F2E7-4F23-849B-23DF95E9A6ED}"/>
               </a:ext>
             </a:extLst>
           </p:cNvPr>
@@ -488,7 +488,7 @@
           <p:cNvPr id="6" name="灯片编号占位符 5">
             <a:extLst>
               <a:ext uri="{FF2B5EF4-FFF2-40B4-BE49-F238E27FC236}">
-                <a16:creationId xmlns:a16="http://schemas.microsoft.com/office/drawing/2014/main" id="{A2AFDF27-B151-2DC8-CC42-F4FDB3E15926}"/>
+                <a16:creationId xmlns:a16="http://schemas.microsoft.com/office/drawing/2014/main" id="{B906E61D-28B0-515B-BEE4-40E5B216C6BB}"/>
               </a:ext>
             </a:extLst>
           </p:cNvPr>
@@ -504,7 +504,7 @@
           <a:bodyPr/>
           <a:lstStyle/>
           <a:p>
-            <a:fld id="{FBAE2A10-3457-427F-955A-8E8A28D0B6AB}" type="slidenum">
+            <a:fld id="{1569AD82-1BF9-47E7-88EA-92E7E93F6C3B}" type="slidenum">
               <a:rPr lang="zh-CN" altLang="en-US" smtClean="0"/>
               <a:t>‹#›</a:t>
             </a:fld>
@@ -515,7 +515,7 @@
     </p:spTree>
     <p:extLst>
       <p:ext uri="{BB962C8B-B14F-4D97-AF65-F5344CB8AC3E}">
-        <p14:creationId xmlns:p14="http://schemas.microsoft.com/office/powerpoint/2010/main" val="944999982"/>
+        <p14:creationId xmlns:p14="http://schemas.microsoft.com/office/powerpoint/2010/main" val="2484534736"/>
       </p:ext>
     </p:extLst>
   </p:cSld>
@@ -547,7 +547,7 @@
           <p:cNvPr id="2" name="竖排标题 1">
             <a:extLst>
               <a:ext uri="{FF2B5EF4-FFF2-40B4-BE49-F238E27FC236}">
-                <a16:creationId xmlns:a16="http://schemas.microsoft.com/office/drawing/2014/main" id="{56E1A35E-7A76-BC88-63E9-C5F28A27EF0B}"/>
+                <a16:creationId xmlns:a16="http://schemas.microsoft.com/office/drawing/2014/main" id="{B59041C9-E15F-F772-6B1F-C46C2A3E111F}"/>
               </a:ext>
             </a:extLst>
           </p:cNvPr>
@@ -580,7 +580,7 @@
           <p:cNvPr id="3" name="竖排文字占位符 2">
             <a:extLst>
               <a:ext uri="{FF2B5EF4-FFF2-40B4-BE49-F238E27FC236}">
-                <a16:creationId xmlns:a16="http://schemas.microsoft.com/office/drawing/2014/main" id="{0D4057CF-0D51-01B3-44E0-23F17A9595C1}"/>
+                <a16:creationId xmlns:a16="http://schemas.microsoft.com/office/drawing/2014/main" id="{7D27F1EF-1427-EA3F-52B2-E09C09BCEC03}"/>
               </a:ext>
             </a:extLst>
           </p:cNvPr>
@@ -642,7 +642,7 @@
           <p:cNvPr id="4" name="日期占位符 3">
             <a:extLst>
               <a:ext uri="{FF2B5EF4-FFF2-40B4-BE49-F238E27FC236}">
-                <a16:creationId xmlns:a16="http://schemas.microsoft.com/office/drawing/2014/main" id="{6DA300F6-BE31-10B6-58F9-372F222F742D}"/>
+                <a16:creationId xmlns:a16="http://schemas.microsoft.com/office/drawing/2014/main" id="{8E75FA4C-5E2C-FD64-0DAD-ABE3816BDF41}"/>
               </a:ext>
             </a:extLst>
           </p:cNvPr>
@@ -658,7 +658,7 @@
           <a:bodyPr/>
           <a:lstStyle/>
           <a:p>
-            <a:fld id="{17A6BF99-1B37-4BC0-ACC1-D6F469DB651B}" type="datetimeFigureOut">
+            <a:fld id="{B778F2FB-9DA8-4ADB-B406-BA1142004520}" type="datetimeFigureOut">
               <a:rPr lang="zh-CN" altLang="en-US" smtClean="0"/>
               <a:t>2024/3/10</a:t>
             </a:fld>
@@ -671,7 +671,7 @@
           <p:cNvPr id="5" name="页脚占位符 4">
             <a:extLst>
               <a:ext uri="{FF2B5EF4-FFF2-40B4-BE49-F238E27FC236}">
-                <a16:creationId xmlns:a16="http://schemas.microsoft.com/office/drawing/2014/main" id="{0A0F0171-E552-CABC-2255-E90859C0BF0B}"/>
+                <a16:creationId xmlns:a16="http://schemas.microsoft.com/office/drawing/2014/main" id="{89030A43-2DC9-51CC-3D94-C88EAC88EA21}"/>
               </a:ext>
             </a:extLst>
           </p:cNvPr>
@@ -696,7 +696,7 @@
           <p:cNvPr id="6" name="灯片编号占位符 5">
             <a:extLst>
               <a:ext uri="{FF2B5EF4-FFF2-40B4-BE49-F238E27FC236}">
-                <a16:creationId xmlns:a16="http://schemas.microsoft.com/office/drawing/2014/main" id="{35EB5BF0-74C0-AF6C-8102-23E7FDF1D906}"/>
+                <a16:creationId xmlns:a16="http://schemas.microsoft.com/office/drawing/2014/main" id="{7EA1A1E4-1234-33F8-11A5-680D8D56BA62}"/>
               </a:ext>
             </a:extLst>
           </p:cNvPr>
@@ -712,7 +712,7 @@
           <a:bodyPr/>
           <a:lstStyle/>
           <a:p>
-            <a:fld id="{FBAE2A10-3457-427F-955A-8E8A28D0B6AB}" type="slidenum">
+            <a:fld id="{1569AD82-1BF9-47E7-88EA-92E7E93F6C3B}" type="slidenum">
               <a:rPr lang="zh-CN" altLang="en-US" smtClean="0"/>
               <a:t>‹#›</a:t>
             </a:fld>
@@ -723,7 +723,7 @@
     </p:spTree>
     <p:extLst>
       <p:ext uri="{BB962C8B-B14F-4D97-AF65-F5344CB8AC3E}">
-        <p14:creationId xmlns:p14="http://schemas.microsoft.com/office/powerpoint/2010/main" val="3515194620"/>
+        <p14:creationId xmlns:p14="http://schemas.microsoft.com/office/powerpoint/2010/main" val="343147883"/>
       </p:ext>
     </p:extLst>
   </p:cSld>
@@ -755,7 +755,7 @@
           <p:cNvPr id="2" name="标题 1">
             <a:extLst>
               <a:ext uri="{FF2B5EF4-FFF2-40B4-BE49-F238E27FC236}">
-                <a16:creationId xmlns:a16="http://schemas.microsoft.com/office/drawing/2014/main" id="{0CD0FE98-3566-783A-3157-C8659525FD23}"/>
+                <a16:creationId xmlns:a16="http://schemas.microsoft.com/office/drawing/2014/main" id="{78FBAFF0-9835-101E-217F-E630CD40C747}"/>
               </a:ext>
             </a:extLst>
           </p:cNvPr>
@@ -783,7 +783,7 @@
           <p:cNvPr id="3" name="内容占位符 2">
             <a:extLst>
               <a:ext uri="{FF2B5EF4-FFF2-40B4-BE49-F238E27FC236}">
-                <a16:creationId xmlns:a16="http://schemas.microsoft.com/office/drawing/2014/main" id="{29DCD00C-4F70-A8AF-5597-8C2CE0E813C5}"/>
+                <a16:creationId xmlns:a16="http://schemas.microsoft.com/office/drawing/2014/main" id="{F25AE71B-D0FE-04C9-01BE-1EB515ECC171}"/>
               </a:ext>
             </a:extLst>
           </p:cNvPr>
@@ -840,7 +840,7 @@
           <p:cNvPr id="4" name="日期占位符 3">
             <a:extLst>
               <a:ext uri="{FF2B5EF4-FFF2-40B4-BE49-F238E27FC236}">
-                <a16:creationId xmlns:a16="http://schemas.microsoft.com/office/drawing/2014/main" id="{37DBABD1-5476-29EA-143E-E4D07A2B6200}"/>
+                <a16:creationId xmlns:a16="http://schemas.microsoft.com/office/drawing/2014/main" id="{54424B4D-E350-A7BE-C842-4FF6894FA7DC}"/>
               </a:ext>
             </a:extLst>
           </p:cNvPr>
@@ -856,7 +856,7 @@
           <a:bodyPr/>
           <a:lstStyle/>
           <a:p>
-            <a:fld id="{17A6BF99-1B37-4BC0-ACC1-D6F469DB651B}" type="datetimeFigureOut">
+            <a:fld id="{B778F2FB-9DA8-4ADB-B406-BA1142004520}" type="datetimeFigureOut">
               <a:rPr lang="zh-CN" altLang="en-US" smtClean="0"/>
               <a:t>2024/3/10</a:t>
             </a:fld>
@@ -869,7 +869,7 @@
           <p:cNvPr id="5" name="页脚占位符 4">
             <a:extLst>
               <a:ext uri="{FF2B5EF4-FFF2-40B4-BE49-F238E27FC236}">
-                <a16:creationId xmlns:a16="http://schemas.microsoft.com/office/drawing/2014/main" id="{426AE9F5-E145-F2CD-AEBB-AECA8ED53695}"/>
+                <a16:creationId xmlns:a16="http://schemas.microsoft.com/office/drawing/2014/main" id="{A26F3198-FD21-17AB-584F-79E8FCC3C38A}"/>
               </a:ext>
             </a:extLst>
           </p:cNvPr>
@@ -894,7 +894,7 @@
           <p:cNvPr id="6" name="灯片编号占位符 5">
             <a:extLst>
               <a:ext uri="{FF2B5EF4-FFF2-40B4-BE49-F238E27FC236}">
-                <a16:creationId xmlns:a16="http://schemas.microsoft.com/office/drawing/2014/main" id="{2E340679-C64B-74B1-963F-C2D7F99E6DAE}"/>
+                <a16:creationId xmlns:a16="http://schemas.microsoft.com/office/drawing/2014/main" id="{FD055A17-5DC6-B71F-5A67-707428720A2F}"/>
               </a:ext>
             </a:extLst>
           </p:cNvPr>
@@ -910,7 +910,7 @@
           <a:bodyPr/>
           <a:lstStyle/>
           <a:p>
-            <a:fld id="{FBAE2A10-3457-427F-955A-8E8A28D0B6AB}" type="slidenum">
+            <a:fld id="{1569AD82-1BF9-47E7-88EA-92E7E93F6C3B}" type="slidenum">
               <a:rPr lang="zh-CN" altLang="en-US" smtClean="0"/>
               <a:t>‹#›</a:t>
             </a:fld>
@@ -921,7 +921,7 @@
     </p:spTree>
     <p:extLst>
       <p:ext uri="{BB962C8B-B14F-4D97-AF65-F5344CB8AC3E}">
-        <p14:creationId xmlns:p14="http://schemas.microsoft.com/office/powerpoint/2010/main" val="1340058213"/>
+        <p14:creationId xmlns:p14="http://schemas.microsoft.com/office/powerpoint/2010/main" val="2568195045"/>
       </p:ext>
     </p:extLst>
   </p:cSld>
@@ -953,7 +953,7 @@
           <p:cNvPr id="2" name="标题 1">
             <a:extLst>
               <a:ext uri="{FF2B5EF4-FFF2-40B4-BE49-F238E27FC236}">
-                <a16:creationId xmlns:a16="http://schemas.microsoft.com/office/drawing/2014/main" id="{6E8538A1-3F44-DCFE-F804-E1516CC450C3}"/>
+                <a16:creationId xmlns:a16="http://schemas.microsoft.com/office/drawing/2014/main" id="{07610849-C549-BD4C-95C0-977F12C290E2}"/>
               </a:ext>
             </a:extLst>
           </p:cNvPr>
@@ -990,7 +990,7 @@
           <p:cNvPr id="3" name="文本占位符 2">
             <a:extLst>
               <a:ext uri="{FF2B5EF4-FFF2-40B4-BE49-F238E27FC236}">
-                <a16:creationId xmlns:a16="http://schemas.microsoft.com/office/drawing/2014/main" id="{EF7A14B6-3FEF-261A-9FDD-AFB1E48E28A4}"/>
+                <a16:creationId xmlns:a16="http://schemas.microsoft.com/office/drawing/2014/main" id="{033FA468-76D3-BF96-0ACE-D331BD63409C}"/>
               </a:ext>
             </a:extLst>
           </p:cNvPr>
@@ -1115,7 +1115,7 @@
           <p:cNvPr id="4" name="日期占位符 3">
             <a:extLst>
               <a:ext uri="{FF2B5EF4-FFF2-40B4-BE49-F238E27FC236}">
-                <a16:creationId xmlns:a16="http://schemas.microsoft.com/office/drawing/2014/main" id="{B986A6C8-24BA-BEF0-1B2B-597A009512E5}"/>
+                <a16:creationId xmlns:a16="http://schemas.microsoft.com/office/drawing/2014/main" id="{7A293972-E355-A24F-87CC-EE510BB4FD38}"/>
               </a:ext>
             </a:extLst>
           </p:cNvPr>
@@ -1131,7 +1131,7 @@
           <a:bodyPr/>
           <a:lstStyle/>
           <a:p>
-            <a:fld id="{17A6BF99-1B37-4BC0-ACC1-D6F469DB651B}" type="datetimeFigureOut">
+            <a:fld id="{B778F2FB-9DA8-4ADB-B406-BA1142004520}" type="datetimeFigureOut">
               <a:rPr lang="zh-CN" altLang="en-US" smtClean="0"/>
               <a:t>2024/3/10</a:t>
             </a:fld>
@@ -1144,7 +1144,7 @@
           <p:cNvPr id="5" name="页脚占位符 4">
             <a:extLst>
               <a:ext uri="{FF2B5EF4-FFF2-40B4-BE49-F238E27FC236}">
-                <a16:creationId xmlns:a16="http://schemas.microsoft.com/office/drawing/2014/main" id="{1C8B05D9-017E-E621-289A-32F2A784BCEF}"/>
+                <a16:creationId xmlns:a16="http://schemas.microsoft.com/office/drawing/2014/main" id="{39B30C43-5223-34AB-8316-4BE2949DB891}"/>
               </a:ext>
             </a:extLst>
           </p:cNvPr>
@@ -1169,7 +1169,7 @@
           <p:cNvPr id="6" name="灯片编号占位符 5">
             <a:extLst>
               <a:ext uri="{FF2B5EF4-FFF2-40B4-BE49-F238E27FC236}">
-                <a16:creationId xmlns:a16="http://schemas.microsoft.com/office/drawing/2014/main" id="{8CA2ED9B-3B9F-5476-D634-6288F8EA4748}"/>
+                <a16:creationId xmlns:a16="http://schemas.microsoft.com/office/drawing/2014/main" id="{58D00CA0-78CD-A49C-15AB-3DDAD4B46BDA}"/>
               </a:ext>
             </a:extLst>
           </p:cNvPr>
@@ -1185,7 +1185,7 @@
           <a:bodyPr/>
           <a:lstStyle/>
           <a:p>
-            <a:fld id="{FBAE2A10-3457-427F-955A-8E8A28D0B6AB}" type="slidenum">
+            <a:fld id="{1569AD82-1BF9-47E7-88EA-92E7E93F6C3B}" type="slidenum">
               <a:rPr lang="zh-CN" altLang="en-US" smtClean="0"/>
               <a:t>‹#›</a:t>
             </a:fld>
@@ -1196,7 +1196,7 @@
     </p:spTree>
     <p:extLst>
       <p:ext uri="{BB962C8B-B14F-4D97-AF65-F5344CB8AC3E}">
-        <p14:creationId xmlns:p14="http://schemas.microsoft.com/office/powerpoint/2010/main" val="511672608"/>
+        <p14:creationId xmlns:p14="http://schemas.microsoft.com/office/powerpoint/2010/main" val="627538598"/>
       </p:ext>
     </p:extLst>
   </p:cSld>
@@ -1228,7 +1228,7 @@
           <p:cNvPr id="2" name="标题 1">
             <a:extLst>
               <a:ext uri="{FF2B5EF4-FFF2-40B4-BE49-F238E27FC236}">
-                <a16:creationId xmlns:a16="http://schemas.microsoft.com/office/drawing/2014/main" id="{4955D17F-6625-B472-7CC1-74A7692CEFE8}"/>
+                <a16:creationId xmlns:a16="http://schemas.microsoft.com/office/drawing/2014/main" id="{59427DA7-3393-3DC7-AE91-6AC0E0731C10}"/>
               </a:ext>
             </a:extLst>
           </p:cNvPr>
@@ -1256,7 +1256,7 @@
           <p:cNvPr id="3" name="内容占位符 2">
             <a:extLst>
               <a:ext uri="{FF2B5EF4-FFF2-40B4-BE49-F238E27FC236}">
-                <a16:creationId xmlns:a16="http://schemas.microsoft.com/office/drawing/2014/main" id="{DD3CF959-6151-9EF1-4695-9070EC502A04}"/>
+                <a16:creationId xmlns:a16="http://schemas.microsoft.com/office/drawing/2014/main" id="{2E8ED245-D83F-833A-1091-7F2AD0FC966E}"/>
               </a:ext>
             </a:extLst>
           </p:cNvPr>
@@ -1318,7 +1318,7 @@
           <p:cNvPr id="4" name="内容占位符 3">
             <a:extLst>
               <a:ext uri="{FF2B5EF4-FFF2-40B4-BE49-F238E27FC236}">
-                <a16:creationId xmlns:a16="http://schemas.microsoft.com/office/drawing/2014/main" id="{0B8258A5-71EB-175A-BC87-DEFB5E88A415}"/>
+                <a16:creationId xmlns:a16="http://schemas.microsoft.com/office/drawing/2014/main" id="{683498BB-E4D8-395B-0409-BCA78ACFD3F0}"/>
               </a:ext>
             </a:extLst>
           </p:cNvPr>
@@ -1380,7 +1380,7 @@
           <p:cNvPr id="5" name="日期占位符 4">
             <a:extLst>
               <a:ext uri="{FF2B5EF4-FFF2-40B4-BE49-F238E27FC236}">
-                <a16:creationId xmlns:a16="http://schemas.microsoft.com/office/drawing/2014/main" id="{24490FA5-B79D-9EBA-E43E-A7C145D7C7CF}"/>
+                <a16:creationId xmlns:a16="http://schemas.microsoft.com/office/drawing/2014/main" id="{D567E92D-F190-1826-900A-F7AC88A8B6C8}"/>
               </a:ext>
             </a:extLst>
           </p:cNvPr>
@@ -1396,7 +1396,7 @@
           <a:bodyPr/>
           <a:lstStyle/>
           <a:p>
-            <a:fld id="{17A6BF99-1B37-4BC0-ACC1-D6F469DB651B}" type="datetimeFigureOut">
+            <a:fld id="{B778F2FB-9DA8-4ADB-B406-BA1142004520}" type="datetimeFigureOut">
               <a:rPr lang="zh-CN" altLang="en-US" smtClean="0"/>
               <a:t>2024/3/10</a:t>
             </a:fld>
@@ -1409,7 +1409,7 @@
           <p:cNvPr id="6" name="页脚占位符 5">
             <a:extLst>
               <a:ext uri="{FF2B5EF4-FFF2-40B4-BE49-F238E27FC236}">
-                <a16:creationId xmlns:a16="http://schemas.microsoft.com/office/drawing/2014/main" id="{1CAD6882-D16E-266D-04A8-10F7AB8007B4}"/>
+                <a16:creationId xmlns:a16="http://schemas.microsoft.com/office/drawing/2014/main" id="{51447597-1AAD-AF38-C365-DFE2A8D63606}"/>
               </a:ext>
             </a:extLst>
           </p:cNvPr>
@@ -1434,7 +1434,7 @@
           <p:cNvPr id="7" name="灯片编号占位符 6">
             <a:extLst>
               <a:ext uri="{FF2B5EF4-FFF2-40B4-BE49-F238E27FC236}">
-                <a16:creationId xmlns:a16="http://schemas.microsoft.com/office/drawing/2014/main" id="{D6F8C94F-739A-4B4F-E651-E36367490E60}"/>
+                <a16:creationId xmlns:a16="http://schemas.microsoft.com/office/drawing/2014/main" id="{4C7EEE87-8A13-E0E9-DCDD-E3C44A118D54}"/>
               </a:ext>
             </a:extLst>
           </p:cNvPr>
@@ -1450,7 +1450,7 @@
           <a:bodyPr/>
           <a:lstStyle/>
           <a:p>
-            <a:fld id="{FBAE2A10-3457-427F-955A-8E8A28D0B6AB}" type="slidenum">
+            <a:fld id="{1569AD82-1BF9-47E7-88EA-92E7E93F6C3B}" type="slidenum">
               <a:rPr lang="zh-CN" altLang="en-US" smtClean="0"/>
               <a:t>‹#›</a:t>
             </a:fld>
@@ -1461,7 +1461,7 @@
     </p:spTree>
     <p:extLst>
       <p:ext uri="{BB962C8B-B14F-4D97-AF65-F5344CB8AC3E}">
-        <p14:creationId xmlns:p14="http://schemas.microsoft.com/office/powerpoint/2010/main" val="3829828570"/>
+        <p14:creationId xmlns:p14="http://schemas.microsoft.com/office/powerpoint/2010/main" val="278028863"/>
       </p:ext>
     </p:extLst>
   </p:cSld>
@@ -1493,7 +1493,7 @@
           <p:cNvPr id="2" name="标题 1">
             <a:extLst>
               <a:ext uri="{FF2B5EF4-FFF2-40B4-BE49-F238E27FC236}">
-                <a16:creationId xmlns:a16="http://schemas.microsoft.com/office/drawing/2014/main" id="{38804867-1CD5-B21E-458C-330CFC27BD91}"/>
+                <a16:creationId xmlns:a16="http://schemas.microsoft.com/office/drawing/2014/main" id="{6002F2D2-1267-E036-C116-9F02D1939191}"/>
               </a:ext>
             </a:extLst>
           </p:cNvPr>
@@ -1526,7 +1526,7 @@
           <p:cNvPr id="3" name="文本占位符 2">
             <a:extLst>
               <a:ext uri="{FF2B5EF4-FFF2-40B4-BE49-F238E27FC236}">
-                <a16:creationId xmlns:a16="http://schemas.microsoft.com/office/drawing/2014/main" id="{8FFFDBCF-78A6-8821-9770-3032C0C4B469}"/>
+                <a16:creationId xmlns:a16="http://schemas.microsoft.com/office/drawing/2014/main" id="{F033E751-C180-1B75-F5FF-209C9705074C}"/>
               </a:ext>
             </a:extLst>
           </p:cNvPr>
@@ -1597,7 +1597,7 @@
           <p:cNvPr id="4" name="内容占位符 3">
             <a:extLst>
               <a:ext uri="{FF2B5EF4-FFF2-40B4-BE49-F238E27FC236}">
-                <a16:creationId xmlns:a16="http://schemas.microsoft.com/office/drawing/2014/main" id="{C60DF45B-BB49-F719-F35F-9DE618AFD423}"/>
+                <a16:creationId xmlns:a16="http://schemas.microsoft.com/office/drawing/2014/main" id="{973F6748-BDA8-ED70-007B-338FAD91B08F}"/>
               </a:ext>
             </a:extLst>
           </p:cNvPr>
@@ -1659,7 +1659,7 @@
           <p:cNvPr id="5" name="文本占位符 4">
             <a:extLst>
               <a:ext uri="{FF2B5EF4-FFF2-40B4-BE49-F238E27FC236}">
-                <a16:creationId xmlns:a16="http://schemas.microsoft.com/office/drawing/2014/main" id="{3E99B1C7-EFC9-AE89-2E94-1E07A5A475AF}"/>
+                <a16:creationId xmlns:a16="http://schemas.microsoft.com/office/drawing/2014/main" id="{D9D61A95-CA73-E626-0CCA-334C16E3A880}"/>
               </a:ext>
             </a:extLst>
           </p:cNvPr>
@@ -1730,7 +1730,7 @@
           <p:cNvPr id="6" name="内容占位符 5">
             <a:extLst>
               <a:ext uri="{FF2B5EF4-FFF2-40B4-BE49-F238E27FC236}">
-                <a16:creationId xmlns:a16="http://schemas.microsoft.com/office/drawing/2014/main" id="{10053024-DEEA-693C-B1AD-BB1854303F74}"/>
+                <a16:creationId xmlns:a16="http://schemas.microsoft.com/office/drawing/2014/main" id="{90D8F27D-C400-28F2-8F76-FA9A432D1A09}"/>
               </a:ext>
             </a:extLst>
           </p:cNvPr>
@@ -1792,7 +1792,7 @@
           <p:cNvPr id="7" name="日期占位符 6">
             <a:extLst>
               <a:ext uri="{FF2B5EF4-FFF2-40B4-BE49-F238E27FC236}">
-                <a16:creationId xmlns:a16="http://schemas.microsoft.com/office/drawing/2014/main" id="{87C4CE55-9BF0-FCEA-53B4-47933B319C32}"/>
+                <a16:creationId xmlns:a16="http://schemas.microsoft.com/office/drawing/2014/main" id="{528A32FE-3ECF-ADDB-C427-671AF639E393}"/>
               </a:ext>
             </a:extLst>
           </p:cNvPr>
@@ -1808,7 +1808,7 @@
           <a:bodyPr/>
           <a:lstStyle/>
           <a:p>
-            <a:fld id="{17A6BF99-1B37-4BC0-ACC1-D6F469DB651B}" type="datetimeFigureOut">
+            <a:fld id="{B778F2FB-9DA8-4ADB-B406-BA1142004520}" type="datetimeFigureOut">
               <a:rPr lang="zh-CN" altLang="en-US" smtClean="0"/>
               <a:t>2024/3/10</a:t>
             </a:fld>
@@ -1821,7 +1821,7 @@
           <p:cNvPr id="8" name="页脚占位符 7">
             <a:extLst>
               <a:ext uri="{FF2B5EF4-FFF2-40B4-BE49-F238E27FC236}">
-                <a16:creationId xmlns:a16="http://schemas.microsoft.com/office/drawing/2014/main" id="{F92EC20B-B072-DFC8-9C16-5E0D7DDB9614}"/>
+                <a16:creationId xmlns:a16="http://schemas.microsoft.com/office/drawing/2014/main" id="{DC8EC000-6A26-CB9B-C933-84C17AE0D36D}"/>
               </a:ext>
             </a:extLst>
           </p:cNvPr>
@@ -1846,7 +1846,7 @@
           <p:cNvPr id="9" name="灯片编号占位符 8">
             <a:extLst>
               <a:ext uri="{FF2B5EF4-FFF2-40B4-BE49-F238E27FC236}">
-                <a16:creationId xmlns:a16="http://schemas.microsoft.com/office/drawing/2014/main" id="{7B145280-0487-4A57-279F-F5848095FBB8}"/>
+                <a16:creationId xmlns:a16="http://schemas.microsoft.com/office/drawing/2014/main" id="{7532FBDB-474E-E014-7D9F-BC0B30146735}"/>
               </a:ext>
             </a:extLst>
           </p:cNvPr>
@@ -1862,7 +1862,7 @@
           <a:bodyPr/>
           <a:lstStyle/>
           <a:p>
-            <a:fld id="{FBAE2A10-3457-427F-955A-8E8A28D0B6AB}" type="slidenum">
+            <a:fld id="{1569AD82-1BF9-47E7-88EA-92E7E93F6C3B}" type="slidenum">
               <a:rPr lang="zh-CN" altLang="en-US" smtClean="0"/>
               <a:t>‹#›</a:t>
             </a:fld>
@@ -1873,7 +1873,7 @@
     </p:spTree>
     <p:extLst>
       <p:ext uri="{BB962C8B-B14F-4D97-AF65-F5344CB8AC3E}">
-        <p14:creationId xmlns:p14="http://schemas.microsoft.com/office/powerpoint/2010/main" val="4199024880"/>
+        <p14:creationId xmlns:p14="http://schemas.microsoft.com/office/powerpoint/2010/main" val="4068814189"/>
       </p:ext>
     </p:extLst>
   </p:cSld>
@@ -1905,7 +1905,7 @@
           <p:cNvPr id="2" name="标题 1">
             <a:extLst>
               <a:ext uri="{FF2B5EF4-FFF2-40B4-BE49-F238E27FC236}">
-                <a16:creationId xmlns:a16="http://schemas.microsoft.com/office/drawing/2014/main" id="{C4F5BDB8-18EA-5918-972D-BB6D8E5BC672}"/>
+                <a16:creationId xmlns:a16="http://schemas.microsoft.com/office/drawing/2014/main" id="{75FA16D7-3633-ADA1-042A-C149DD729ADB}"/>
               </a:ext>
             </a:extLst>
           </p:cNvPr>
@@ -1933,7 +1933,7 @@
           <p:cNvPr id="3" name="日期占位符 2">
             <a:extLst>
               <a:ext uri="{FF2B5EF4-FFF2-40B4-BE49-F238E27FC236}">
-                <a16:creationId xmlns:a16="http://schemas.microsoft.com/office/drawing/2014/main" id="{DF8765BD-7634-786C-8DED-02DFF176CDE5}"/>
+                <a16:creationId xmlns:a16="http://schemas.microsoft.com/office/drawing/2014/main" id="{75ED2D73-0756-B9EE-1C1E-83FB383DDFA6}"/>
               </a:ext>
             </a:extLst>
           </p:cNvPr>
@@ -1949,7 +1949,7 @@
           <a:bodyPr/>
           <a:lstStyle/>
           <a:p>
-            <a:fld id="{17A6BF99-1B37-4BC0-ACC1-D6F469DB651B}" type="datetimeFigureOut">
+            <a:fld id="{B778F2FB-9DA8-4ADB-B406-BA1142004520}" type="datetimeFigureOut">
               <a:rPr lang="zh-CN" altLang="en-US" smtClean="0"/>
               <a:t>2024/3/10</a:t>
             </a:fld>
@@ -1962,7 +1962,7 @@
           <p:cNvPr id="4" name="页脚占位符 3">
             <a:extLst>
               <a:ext uri="{FF2B5EF4-FFF2-40B4-BE49-F238E27FC236}">
-                <a16:creationId xmlns:a16="http://schemas.microsoft.com/office/drawing/2014/main" id="{F68D455B-981F-D1BA-4379-2C8190F4B791}"/>
+                <a16:creationId xmlns:a16="http://schemas.microsoft.com/office/drawing/2014/main" id="{5E05E9BB-0F8A-99C0-C1E5-E0D21C7DD8B9}"/>
               </a:ext>
             </a:extLst>
           </p:cNvPr>
@@ -1987,7 +1987,7 @@
           <p:cNvPr id="5" name="灯片编号占位符 4">
             <a:extLst>
               <a:ext uri="{FF2B5EF4-FFF2-40B4-BE49-F238E27FC236}">
-                <a16:creationId xmlns:a16="http://schemas.microsoft.com/office/drawing/2014/main" id="{283EEB54-005E-1A9C-9E62-F67271434C61}"/>
+                <a16:creationId xmlns:a16="http://schemas.microsoft.com/office/drawing/2014/main" id="{5F5D2253-4537-3042-8DC9-0A0A65A32F95}"/>
               </a:ext>
             </a:extLst>
           </p:cNvPr>
@@ -2003,7 +2003,7 @@
           <a:bodyPr/>
           <a:lstStyle/>
           <a:p>
-            <a:fld id="{FBAE2A10-3457-427F-955A-8E8A28D0B6AB}" type="slidenum">
+            <a:fld id="{1569AD82-1BF9-47E7-88EA-92E7E93F6C3B}" type="slidenum">
               <a:rPr lang="zh-CN" altLang="en-US" smtClean="0"/>
               <a:t>‹#›</a:t>
             </a:fld>
@@ -2014,7 +2014,7 @@
     </p:spTree>
     <p:extLst>
       <p:ext uri="{BB962C8B-B14F-4D97-AF65-F5344CB8AC3E}">
-        <p14:creationId xmlns:p14="http://schemas.microsoft.com/office/powerpoint/2010/main" val="4041895615"/>
+        <p14:creationId xmlns:p14="http://schemas.microsoft.com/office/powerpoint/2010/main" val="158655851"/>
       </p:ext>
     </p:extLst>
   </p:cSld>
@@ -2046,7 +2046,7 @@
           <p:cNvPr id="2" name="日期占位符 1">
             <a:extLst>
               <a:ext uri="{FF2B5EF4-FFF2-40B4-BE49-F238E27FC236}">
-                <a16:creationId xmlns:a16="http://schemas.microsoft.com/office/drawing/2014/main" id="{B83A7588-BB2A-14C0-BC8E-FAE3F4057582}"/>
+                <a16:creationId xmlns:a16="http://schemas.microsoft.com/office/drawing/2014/main" id="{F0CAE3D5-8E68-A284-E4AE-F4559074AC5F}"/>
               </a:ext>
             </a:extLst>
           </p:cNvPr>
@@ -2062,7 +2062,7 @@
           <a:bodyPr/>
           <a:lstStyle/>
           <a:p>
-            <a:fld id="{17A6BF99-1B37-4BC0-ACC1-D6F469DB651B}" type="datetimeFigureOut">
+            <a:fld id="{B778F2FB-9DA8-4ADB-B406-BA1142004520}" type="datetimeFigureOut">
               <a:rPr lang="zh-CN" altLang="en-US" smtClean="0"/>
               <a:t>2024/3/10</a:t>
             </a:fld>
@@ -2075,7 +2075,7 @@
           <p:cNvPr id="3" name="页脚占位符 2">
             <a:extLst>
               <a:ext uri="{FF2B5EF4-FFF2-40B4-BE49-F238E27FC236}">
-                <a16:creationId xmlns:a16="http://schemas.microsoft.com/office/drawing/2014/main" id="{8E96C9D8-06DF-55D8-5DC4-456D67E5B04C}"/>
+                <a16:creationId xmlns:a16="http://schemas.microsoft.com/office/drawing/2014/main" id="{8B3933E4-9CBF-E6E9-BF31-C0C650A19EF0}"/>
               </a:ext>
             </a:extLst>
           </p:cNvPr>
@@ -2100,7 +2100,7 @@
           <p:cNvPr id="4" name="灯片编号占位符 3">
             <a:extLst>
               <a:ext uri="{FF2B5EF4-FFF2-40B4-BE49-F238E27FC236}">
-                <a16:creationId xmlns:a16="http://schemas.microsoft.com/office/drawing/2014/main" id="{EAA32182-DDF7-71C8-252C-2E311A206F07}"/>
+                <a16:creationId xmlns:a16="http://schemas.microsoft.com/office/drawing/2014/main" id="{2D8832A2-DE26-4015-1CD3-E3379740C2D7}"/>
               </a:ext>
             </a:extLst>
           </p:cNvPr>
@@ -2116,7 +2116,7 @@
           <a:bodyPr/>
           <a:lstStyle/>
           <a:p>
-            <a:fld id="{FBAE2A10-3457-427F-955A-8E8A28D0B6AB}" type="slidenum">
+            <a:fld id="{1569AD82-1BF9-47E7-88EA-92E7E93F6C3B}" type="slidenum">
               <a:rPr lang="zh-CN" altLang="en-US" smtClean="0"/>
               <a:t>‹#›</a:t>
             </a:fld>
@@ -2127,7 +2127,7 @@
     </p:spTree>
     <p:extLst>
       <p:ext uri="{BB962C8B-B14F-4D97-AF65-F5344CB8AC3E}">
-        <p14:creationId xmlns:p14="http://schemas.microsoft.com/office/powerpoint/2010/main" val="4163099295"/>
+        <p14:creationId xmlns:p14="http://schemas.microsoft.com/office/powerpoint/2010/main" val="1680768000"/>
       </p:ext>
     </p:extLst>
   </p:cSld>
@@ -2159,7 +2159,7 @@
           <p:cNvPr id="2" name="标题 1">
             <a:extLst>
               <a:ext uri="{FF2B5EF4-FFF2-40B4-BE49-F238E27FC236}">
-                <a16:creationId xmlns:a16="http://schemas.microsoft.com/office/drawing/2014/main" id="{5796B6B4-643A-08B4-18DE-5C82BB4723A6}"/>
+                <a16:creationId xmlns:a16="http://schemas.microsoft.com/office/drawing/2014/main" id="{59D0E756-3417-09C3-46E7-8BC163BEFE72}"/>
               </a:ext>
             </a:extLst>
           </p:cNvPr>
@@ -2196,7 +2196,7 @@
           <p:cNvPr id="3" name="内容占位符 2">
             <a:extLst>
               <a:ext uri="{FF2B5EF4-FFF2-40B4-BE49-F238E27FC236}">
-                <a16:creationId xmlns:a16="http://schemas.microsoft.com/office/drawing/2014/main" id="{936F3171-5E68-1F27-643F-AA76FA273F0B}"/>
+                <a16:creationId xmlns:a16="http://schemas.microsoft.com/office/drawing/2014/main" id="{61C3450D-217A-D739-D117-2CCAC77D16DB}"/>
               </a:ext>
             </a:extLst>
           </p:cNvPr>
@@ -2286,7 +2286,7 @@
           <p:cNvPr id="4" name="文本占位符 3">
             <a:extLst>
               <a:ext uri="{FF2B5EF4-FFF2-40B4-BE49-F238E27FC236}">
-                <a16:creationId xmlns:a16="http://schemas.microsoft.com/office/drawing/2014/main" id="{52524A44-B38B-D92D-03CB-B1A5835D3351}"/>
+                <a16:creationId xmlns:a16="http://schemas.microsoft.com/office/drawing/2014/main" id="{F98613C4-F6F5-8B1C-563D-9D7A6D4D8196}"/>
               </a:ext>
             </a:extLst>
           </p:cNvPr>
@@ -2357,7 +2357,7 @@
           <p:cNvPr id="5" name="日期占位符 4">
             <a:extLst>
               <a:ext uri="{FF2B5EF4-FFF2-40B4-BE49-F238E27FC236}">
-                <a16:creationId xmlns:a16="http://schemas.microsoft.com/office/drawing/2014/main" id="{3A52E337-FD9A-4768-92A3-8186EFABCD9E}"/>
+                <a16:creationId xmlns:a16="http://schemas.microsoft.com/office/drawing/2014/main" id="{F9E79664-11BF-18E4-D214-B475FD00F03A}"/>
               </a:ext>
             </a:extLst>
           </p:cNvPr>
@@ -2373,7 +2373,7 @@
           <a:bodyPr/>
           <a:lstStyle/>
           <a:p>
-            <a:fld id="{17A6BF99-1B37-4BC0-ACC1-D6F469DB651B}" type="datetimeFigureOut">
+            <a:fld id="{B778F2FB-9DA8-4ADB-B406-BA1142004520}" type="datetimeFigureOut">
               <a:rPr lang="zh-CN" altLang="en-US" smtClean="0"/>
               <a:t>2024/3/10</a:t>
             </a:fld>
@@ -2386,7 +2386,7 @@
           <p:cNvPr id="6" name="页脚占位符 5">
             <a:extLst>
               <a:ext uri="{FF2B5EF4-FFF2-40B4-BE49-F238E27FC236}">
-                <a16:creationId xmlns:a16="http://schemas.microsoft.com/office/drawing/2014/main" id="{86C7B6EA-277F-A188-FE12-BB05BDA01CAF}"/>
+                <a16:creationId xmlns:a16="http://schemas.microsoft.com/office/drawing/2014/main" id="{8B918B2C-7D31-7CED-78A7-42DE551F5FC2}"/>
               </a:ext>
             </a:extLst>
           </p:cNvPr>
@@ -2411,7 +2411,7 @@
           <p:cNvPr id="7" name="灯片编号占位符 6">
             <a:extLst>
               <a:ext uri="{FF2B5EF4-FFF2-40B4-BE49-F238E27FC236}">
-                <a16:creationId xmlns:a16="http://schemas.microsoft.com/office/drawing/2014/main" id="{5793C473-11F4-427E-8A51-5074A1367257}"/>
+                <a16:creationId xmlns:a16="http://schemas.microsoft.com/office/drawing/2014/main" id="{7E74BA3B-2897-C858-5BB1-BE6C2AB8F0EC}"/>
               </a:ext>
             </a:extLst>
           </p:cNvPr>
@@ -2427,7 +2427,7 @@
           <a:bodyPr/>
           <a:lstStyle/>
           <a:p>
-            <a:fld id="{FBAE2A10-3457-427F-955A-8E8A28D0B6AB}" type="slidenum">
+            <a:fld id="{1569AD82-1BF9-47E7-88EA-92E7E93F6C3B}" type="slidenum">
               <a:rPr lang="zh-CN" altLang="en-US" smtClean="0"/>
               <a:t>‹#›</a:t>
             </a:fld>
@@ -2438,7 +2438,7 @@
     </p:spTree>
     <p:extLst>
       <p:ext uri="{BB962C8B-B14F-4D97-AF65-F5344CB8AC3E}">
-        <p14:creationId xmlns:p14="http://schemas.microsoft.com/office/powerpoint/2010/main" val="1348165085"/>
+        <p14:creationId xmlns:p14="http://schemas.microsoft.com/office/powerpoint/2010/main" val="950805182"/>
       </p:ext>
     </p:extLst>
   </p:cSld>
@@ -2470,7 +2470,7 @@
           <p:cNvPr id="2" name="标题 1">
             <a:extLst>
               <a:ext uri="{FF2B5EF4-FFF2-40B4-BE49-F238E27FC236}">
-                <a16:creationId xmlns:a16="http://schemas.microsoft.com/office/drawing/2014/main" id="{4594D06E-B66A-D1D5-9A7A-30A426AA33E1}"/>
+                <a16:creationId xmlns:a16="http://schemas.microsoft.com/office/drawing/2014/main" id="{7480648F-DD43-140D-5577-37A8973C7C30}"/>
               </a:ext>
             </a:extLst>
           </p:cNvPr>
@@ -2507,7 +2507,7 @@
           <p:cNvPr id="3" name="图片占位符 2">
             <a:extLst>
               <a:ext uri="{FF2B5EF4-FFF2-40B4-BE49-F238E27FC236}">
-                <a16:creationId xmlns:a16="http://schemas.microsoft.com/office/drawing/2014/main" id="{D8118E84-7930-2372-A8CA-A022CDEF654B}"/>
+                <a16:creationId xmlns:a16="http://schemas.microsoft.com/office/drawing/2014/main" id="{7AF364C6-6514-E726-69B8-C8CF704FE0A1}"/>
               </a:ext>
             </a:extLst>
           </p:cNvPr>
@@ -2574,7 +2574,7 @@
           <p:cNvPr id="4" name="文本占位符 3">
             <a:extLst>
               <a:ext uri="{FF2B5EF4-FFF2-40B4-BE49-F238E27FC236}">
-                <a16:creationId xmlns:a16="http://schemas.microsoft.com/office/drawing/2014/main" id="{58ED6FDD-1769-CACC-D95E-EBD3565D020A}"/>
+                <a16:creationId xmlns:a16="http://schemas.microsoft.com/office/drawing/2014/main" id="{750FA2AC-74A8-D71D-0AA6-A820952F55E4}"/>
               </a:ext>
             </a:extLst>
           </p:cNvPr>
@@ -2645,7 +2645,7 @@
           <p:cNvPr id="5" name="日期占位符 4">
             <a:extLst>
               <a:ext uri="{FF2B5EF4-FFF2-40B4-BE49-F238E27FC236}">
-                <a16:creationId xmlns:a16="http://schemas.microsoft.com/office/drawing/2014/main" id="{0F1898CB-3108-F39F-ABE8-9DA59180D887}"/>
+                <a16:creationId xmlns:a16="http://schemas.microsoft.com/office/drawing/2014/main" id="{D5A7F06D-EA35-50B5-5992-AD66E6DC9A35}"/>
               </a:ext>
             </a:extLst>
           </p:cNvPr>
@@ -2661,7 +2661,7 @@
           <a:bodyPr/>
           <a:lstStyle/>
           <a:p>
-            <a:fld id="{17A6BF99-1B37-4BC0-ACC1-D6F469DB651B}" type="datetimeFigureOut">
+            <a:fld id="{B778F2FB-9DA8-4ADB-B406-BA1142004520}" type="datetimeFigureOut">
               <a:rPr lang="zh-CN" altLang="en-US" smtClean="0"/>
               <a:t>2024/3/10</a:t>
             </a:fld>
@@ -2674,7 +2674,7 @@
           <p:cNvPr id="6" name="页脚占位符 5">
             <a:extLst>
               <a:ext uri="{FF2B5EF4-FFF2-40B4-BE49-F238E27FC236}">
-                <a16:creationId xmlns:a16="http://schemas.microsoft.com/office/drawing/2014/main" id="{3E60DCE6-5F13-C035-07FC-9964F3477202}"/>
+                <a16:creationId xmlns:a16="http://schemas.microsoft.com/office/drawing/2014/main" id="{517085EA-1659-5F24-4FD6-5708DEBDD7B2}"/>
               </a:ext>
             </a:extLst>
           </p:cNvPr>
@@ -2699,7 +2699,7 @@
           <p:cNvPr id="7" name="灯片编号占位符 6">
             <a:extLst>
               <a:ext uri="{FF2B5EF4-FFF2-40B4-BE49-F238E27FC236}">
-                <a16:creationId xmlns:a16="http://schemas.microsoft.com/office/drawing/2014/main" id="{3D6FE2F7-0E3D-B48D-518D-B66CB892844C}"/>
+                <a16:creationId xmlns:a16="http://schemas.microsoft.com/office/drawing/2014/main" id="{D3D8E3EF-822E-81FC-7F81-6A3F278D79F7}"/>
               </a:ext>
             </a:extLst>
           </p:cNvPr>
@@ -2715,7 +2715,7 @@
           <a:bodyPr/>
           <a:lstStyle/>
           <a:p>
-            <a:fld id="{FBAE2A10-3457-427F-955A-8E8A28D0B6AB}" type="slidenum">
+            <a:fld id="{1569AD82-1BF9-47E7-88EA-92E7E93F6C3B}" type="slidenum">
               <a:rPr lang="zh-CN" altLang="en-US" smtClean="0"/>
               <a:t>‹#›</a:t>
             </a:fld>
@@ -2726,7 +2726,7 @@
     </p:spTree>
     <p:extLst>
       <p:ext uri="{BB962C8B-B14F-4D97-AF65-F5344CB8AC3E}">
-        <p14:creationId xmlns:p14="http://schemas.microsoft.com/office/powerpoint/2010/main" val="3833464228"/>
+        <p14:creationId xmlns:p14="http://schemas.microsoft.com/office/powerpoint/2010/main" val="4139104102"/>
       </p:ext>
     </p:extLst>
   </p:cSld>
@@ -2763,7 +2763,7 @@
           <p:cNvPr id="2" name="标题占位符 1">
             <a:extLst>
               <a:ext uri="{FF2B5EF4-FFF2-40B4-BE49-F238E27FC236}">
-                <a16:creationId xmlns:a16="http://schemas.microsoft.com/office/drawing/2014/main" id="{ED02D1FC-C218-AE42-F6F1-7FD69AEA9D03}"/>
+                <a16:creationId xmlns:a16="http://schemas.microsoft.com/office/drawing/2014/main" id="{36A41477-78FE-6D4E-53E5-0DFC8CE70C93}"/>
               </a:ext>
             </a:extLst>
           </p:cNvPr>
@@ -2801,7 +2801,7 @@
           <p:cNvPr id="3" name="文本占位符 2">
             <a:extLst>
               <a:ext uri="{FF2B5EF4-FFF2-40B4-BE49-F238E27FC236}">
-                <a16:creationId xmlns:a16="http://schemas.microsoft.com/office/drawing/2014/main" id="{1DC0E4C8-7FFC-0A49-1F82-8FFE88D3D4B4}"/>
+                <a16:creationId xmlns:a16="http://schemas.microsoft.com/office/drawing/2014/main" id="{C47AF004-EFBF-A557-20F8-044471101E38}"/>
               </a:ext>
             </a:extLst>
           </p:cNvPr>
@@ -2868,7 +2868,7 @@
           <p:cNvPr id="4" name="日期占位符 3">
             <a:extLst>
               <a:ext uri="{FF2B5EF4-FFF2-40B4-BE49-F238E27FC236}">
-                <a16:creationId xmlns:a16="http://schemas.microsoft.com/office/drawing/2014/main" id="{A2E8AC18-6F20-BC50-E5C1-58738F87EF1A}"/>
+                <a16:creationId xmlns:a16="http://schemas.microsoft.com/office/drawing/2014/main" id="{0C659FD8-B4D6-655A-A9D6-1214208BE228}"/>
               </a:ext>
             </a:extLst>
           </p:cNvPr>
@@ -2902,7 +2902,7 @@
             </a:lvl1pPr>
           </a:lstStyle>
           <a:p>
-            <a:fld id="{17A6BF99-1B37-4BC0-ACC1-D6F469DB651B}" type="datetimeFigureOut">
+            <a:fld id="{B778F2FB-9DA8-4ADB-B406-BA1142004520}" type="datetimeFigureOut">
               <a:rPr lang="zh-CN" altLang="en-US" smtClean="0"/>
               <a:t>2024/3/10</a:t>
             </a:fld>
@@ -2915,7 +2915,7 @@
           <p:cNvPr id="5" name="页脚占位符 4">
             <a:extLst>
               <a:ext uri="{FF2B5EF4-FFF2-40B4-BE49-F238E27FC236}">
-                <a16:creationId xmlns:a16="http://schemas.microsoft.com/office/drawing/2014/main" id="{F2E10527-B102-D093-2CBA-B62CB4865322}"/>
+                <a16:creationId xmlns:a16="http://schemas.microsoft.com/office/drawing/2014/main" id="{9F5B48B8-2CB1-DE33-8B7D-3E85D7D6BA66}"/>
               </a:ext>
             </a:extLst>
           </p:cNvPr>
@@ -2958,7 +2958,7 @@
           <p:cNvPr id="6" name="灯片编号占位符 5">
             <a:extLst>
               <a:ext uri="{FF2B5EF4-FFF2-40B4-BE49-F238E27FC236}">
-                <a16:creationId xmlns:a16="http://schemas.microsoft.com/office/drawing/2014/main" id="{EE809046-2C63-C2D8-865F-D02E094E8BD8}"/>
+                <a16:creationId xmlns:a16="http://schemas.microsoft.com/office/drawing/2014/main" id="{8E0C449A-97A6-D7F4-FCAD-AC0270C666D8}"/>
               </a:ext>
             </a:extLst>
           </p:cNvPr>
@@ -2992,7 +2992,7 @@
             </a:lvl1pPr>
           </a:lstStyle>
           <a:p>
-            <a:fld id="{FBAE2A10-3457-427F-955A-8E8A28D0B6AB}" type="slidenum">
+            <a:fld id="{1569AD82-1BF9-47E7-88EA-92E7E93F6C3B}" type="slidenum">
               <a:rPr lang="zh-CN" altLang="en-US" smtClean="0"/>
               <a:t>‹#›</a:t>
             </a:fld>
@@ -3003,7 +3003,7 @@
     </p:spTree>
     <p:extLst>
       <p:ext uri="{BB962C8B-B14F-4D97-AF65-F5344CB8AC3E}">
-        <p14:creationId xmlns:p14="http://schemas.microsoft.com/office/powerpoint/2010/main" val="3713774966"/>
+        <p14:creationId xmlns:p14="http://schemas.microsoft.com/office/powerpoint/2010/main" val="1892710534"/>
       </p:ext>
     </p:extLst>
   </p:cSld>
